--- a/assets/lectures/cshl/2019/mini/RNASeq_MiniLecture_04_01_AlignmentFreeKallisto.pptx
+++ b/assets/lectures/cshl/2019/mini/RNASeq_MiniLecture_04_01_AlignmentFreeKallisto.pptx
@@ -203,7 +203,7 @@
           <a:p>
             <a:fld id="{827BD9F9-8452-A342-BB1B-28ECF19E2CC5}" type="datetimeFigureOut">
               <a:rPr lang="en-US" smtClean="0"/>
-              <a:t>11/5/19</a:t>
+              <a:t>11/9/19</a:t>
             </a:fld>
             <a:endParaRPr lang="en-US"/>
           </a:p>
@@ -926,14 +926,14 @@
           </a:ln>
           <a:extLst>
             <a:ext uri="{909E8E84-426E-40dd-AFC4-6F175D3DCCD1}">
-              <a14:hiddenFill xmlns:a14="http://schemas.microsoft.com/office/drawing/2010/main" xmlns="">
+              <a14:hiddenFill xmlns="" xmlns:a14="http://schemas.microsoft.com/office/drawing/2010/main">
                 <a:solidFill>
                   <a:srgbClr val="FFFFFF"/>
                 </a:solidFill>
               </a14:hiddenFill>
             </a:ext>
             <a:ext uri="{91240B29-F687-4f45-9708-019B960494DF}">
-              <a14:hiddenLine xmlns:a14="http://schemas.microsoft.com/office/drawing/2010/main" xmlns="" w="9525">
+              <a14:hiddenLine xmlns="" xmlns:a14="http://schemas.microsoft.com/office/drawing/2010/main" w="9525">
                 <a:solidFill>
                   <a:srgbClr val="000000"/>
                 </a:solidFill>
@@ -1824,14 +1824,14 @@
           </a:ln>
           <a:extLst>
             <a:ext uri="{909E8E84-426E-40dd-AFC4-6F175D3DCCD1}">
-              <a14:hiddenFill xmlns="" xmlns:a14="http://schemas.microsoft.com/office/drawing/2010/main">
+              <a14:hiddenFill xmlns:a14="http://schemas.microsoft.com/office/drawing/2010/main" xmlns="">
                 <a:solidFill>
                   <a:srgbClr val="FFFFFF"/>
                 </a:solidFill>
               </a14:hiddenFill>
             </a:ext>
             <a:ext uri="{91240B29-F687-4f45-9708-019B960494DF}">
-              <a14:hiddenLine xmlns="" xmlns:a14="http://schemas.microsoft.com/office/drawing/2010/main" w="9525">
+              <a14:hiddenLine xmlns:a14="http://schemas.microsoft.com/office/drawing/2010/main" xmlns="" w="9525">
                 <a:solidFill>
                   <a:srgbClr val="000000"/>
                 </a:solidFill>
@@ -3828,14 +3828,14 @@
           </a:ln>
           <a:extLst>
             <a:ext uri="{909E8E84-426E-40dd-AFC4-6F175D3DCCD1}">
-              <a14:hiddenFill xmlns:a14="http://schemas.microsoft.com/office/drawing/2010/main" xmlns="">
+              <a14:hiddenFill xmlns="" xmlns:a14="http://schemas.microsoft.com/office/drawing/2010/main">
                 <a:solidFill>
                   <a:srgbClr val="FFFFFF"/>
                 </a:solidFill>
               </a14:hiddenFill>
             </a:ext>
             <a:ext uri="{91240B29-F687-4f45-9708-019B960494DF}">
-              <a14:hiddenLine xmlns:a14="http://schemas.microsoft.com/office/drawing/2010/main" xmlns="" w="9525">
+              <a14:hiddenLine xmlns="" xmlns:a14="http://schemas.microsoft.com/office/drawing/2010/main" w="9525">
                 <a:solidFill>
                   <a:srgbClr val="000000"/>
                 </a:solidFill>
@@ -4538,14 +4538,14 @@
           </a:ln>
           <a:extLst>
             <a:ext uri="{909E8E84-426E-40dd-AFC4-6F175D3DCCD1}">
-              <a14:hiddenFill xmlns="" xmlns:a14="http://schemas.microsoft.com/office/drawing/2010/main">
+              <a14:hiddenFill xmlns:a14="http://schemas.microsoft.com/office/drawing/2010/main" xmlns="">
                 <a:solidFill>
                   <a:srgbClr val="FFFFFF"/>
                 </a:solidFill>
               </a14:hiddenFill>
             </a:ext>
             <a:ext uri="{91240B29-F687-4f45-9708-019B960494DF}">
-              <a14:hiddenLine xmlns="" xmlns:a14="http://schemas.microsoft.com/office/drawing/2010/main" w="9525">
+              <a14:hiddenLine xmlns:a14="http://schemas.microsoft.com/office/drawing/2010/main" xmlns="" w="9525">
                 <a:solidFill>
                   <a:srgbClr val="000000"/>
                 </a:solidFill>
@@ -4636,14 +4636,14 @@
           <a:p>
             <a:pPr algn="r"/>
             <a:r>
-              <a:rPr lang="en-US" sz="2800" dirty="0">
+              <a:rPr lang="en-US" sz="2800">
                 <a:solidFill>
                   <a:schemeClr val="bg1"/>
                 </a:solidFill>
                 <a:latin typeface="Calibri" charset="0"/>
                 <a:cs typeface="Segoe UI" charset="0"/>
               </a:rPr>
-              <a:t>RNA-Seq Module 5</a:t>
+              <a:t>RNA-Seq Module 4</a:t>
             </a:r>
             <a:br>
               <a:rPr lang="en-US" sz="2800" dirty="0">

--- a/assets/lectures/cshl/2019/mini/RNASeq_MiniLecture_04_01_AlignmentFreeKallisto.pptx
+++ b/assets/lectures/cshl/2019/mini/RNASeq_MiniLecture_04_01_AlignmentFreeKallisto.pptx
@@ -926,14 +926,14 @@
           </a:ln>
           <a:extLst>
             <a:ext uri="{909E8E84-426E-40dd-AFC4-6F175D3DCCD1}">
-              <a14:hiddenFill xmlns="" xmlns:a14="http://schemas.microsoft.com/office/drawing/2010/main">
+              <a14:hiddenFill xmlns:a14="http://schemas.microsoft.com/office/drawing/2010/main" xmlns="">
                 <a:solidFill>
                   <a:srgbClr val="FFFFFF"/>
                 </a:solidFill>
               </a14:hiddenFill>
             </a:ext>
             <a:ext uri="{91240B29-F687-4f45-9708-019B960494DF}">
-              <a14:hiddenLine xmlns="" xmlns:a14="http://schemas.microsoft.com/office/drawing/2010/main" w="9525">
+              <a14:hiddenLine xmlns:a14="http://schemas.microsoft.com/office/drawing/2010/main" xmlns="" w="9525">
                 <a:solidFill>
                   <a:srgbClr val="000000"/>
                 </a:solidFill>
@@ -1824,14 +1824,14 @@
           </a:ln>
           <a:extLst>
             <a:ext uri="{909E8E84-426E-40dd-AFC4-6F175D3DCCD1}">
-              <a14:hiddenFill xmlns:a14="http://schemas.microsoft.com/office/drawing/2010/main" xmlns="">
+              <a14:hiddenFill xmlns="" xmlns:a14="http://schemas.microsoft.com/office/drawing/2010/main">
                 <a:solidFill>
                   <a:srgbClr val="FFFFFF"/>
                 </a:solidFill>
               </a14:hiddenFill>
             </a:ext>
             <a:ext uri="{91240B29-F687-4f45-9708-019B960494DF}">
-              <a14:hiddenLine xmlns:a14="http://schemas.microsoft.com/office/drawing/2010/main" xmlns="" w="9525">
+              <a14:hiddenLine xmlns="" xmlns:a14="http://schemas.microsoft.com/office/drawing/2010/main" w="9525">
                 <a:solidFill>
                   <a:srgbClr val="000000"/>
                 </a:solidFill>
@@ -3828,14 +3828,14 @@
           </a:ln>
           <a:extLst>
             <a:ext uri="{909E8E84-426E-40dd-AFC4-6F175D3DCCD1}">
-              <a14:hiddenFill xmlns="" xmlns:a14="http://schemas.microsoft.com/office/drawing/2010/main">
+              <a14:hiddenFill xmlns:a14="http://schemas.microsoft.com/office/drawing/2010/main" xmlns="">
                 <a:solidFill>
                   <a:srgbClr val="FFFFFF"/>
                 </a:solidFill>
               </a14:hiddenFill>
             </a:ext>
             <a:ext uri="{91240B29-F687-4f45-9708-019B960494DF}">
-              <a14:hiddenLine xmlns="" xmlns:a14="http://schemas.microsoft.com/office/drawing/2010/main" w="9525">
+              <a14:hiddenLine xmlns:a14="http://schemas.microsoft.com/office/drawing/2010/main" xmlns="" w="9525">
                 <a:solidFill>
                   <a:srgbClr val="000000"/>
                 </a:solidFill>
@@ -3970,7 +3970,7 @@
                 <a:latin typeface="Calibri" charset="0"/>
                 <a:cs typeface="Calibri" charset="0"/>
               </a:rPr>
-              <a:t>Module 5 </a:t>
+              <a:t>Module 4 </a:t>
             </a:r>
           </a:p>
         </p:txBody>
@@ -4538,14 +4538,14 @@
           </a:ln>
           <a:extLst>
             <a:ext uri="{909E8E84-426E-40dd-AFC4-6F175D3DCCD1}">
-              <a14:hiddenFill xmlns:a14="http://schemas.microsoft.com/office/drawing/2010/main" xmlns="">
+              <a14:hiddenFill xmlns="" xmlns:a14="http://schemas.microsoft.com/office/drawing/2010/main">
                 <a:solidFill>
                   <a:srgbClr val="FFFFFF"/>
                 </a:solidFill>
               </a14:hiddenFill>
             </a:ext>
             <a:ext uri="{91240B29-F687-4f45-9708-019B960494DF}">
-              <a14:hiddenLine xmlns:a14="http://schemas.microsoft.com/office/drawing/2010/main" xmlns="" w="9525">
+              <a14:hiddenLine xmlns="" xmlns:a14="http://schemas.microsoft.com/office/drawing/2010/main" w="9525">
                 <a:solidFill>
                   <a:srgbClr val="000000"/>
                 </a:solidFill>

--- a/assets/lectures/cshl/2019/mini/RNASeq_MiniLecture_04_01_AlignmentFreeKallisto.pptx
+++ b/assets/lectures/cshl/2019/mini/RNASeq_MiniLecture_04_01_AlignmentFreeKallisto.pptx
@@ -203,7 +203,7 @@
           <a:p>
             <a:fld id="{827BD9F9-8452-A342-BB1B-28ECF19E2CC5}" type="datetimeFigureOut">
               <a:rPr lang="en-US" smtClean="0"/>
-              <a:t>11/9/19</a:t>
+              <a:t>11/10/19</a:t>
             </a:fld>
             <a:endParaRPr lang="en-US"/>
           </a:p>
@@ -887,10 +887,10 @@
       </p:sp>
       <p:pic>
         <p:nvPicPr>
-          <p:cNvPr id="8" name="Picture 7" descr="bioinformatics.ca-logo-white-text.png">
+          <p:cNvPr id="9" name="Picture 7" descr="cshl_logo_alternate rgb.png">
             <a:extLst>
               <a:ext uri="{FF2B5EF4-FFF2-40B4-BE49-F238E27FC236}">
-                <a16:creationId xmlns:a16="http://schemas.microsoft.com/office/drawing/2014/main" id="{9874B523-0CD5-BC4D-B685-3BCCBF624BF4}"/>
+                <a16:creationId xmlns:a16="http://schemas.microsoft.com/office/drawing/2014/main" id="{178F945E-94EE-B84E-982C-DC0EA296741E}"/>
               </a:ext>
             </a:extLst>
           </p:cNvPr>
@@ -914,8 +914,8 @@
         </p:blipFill>
         <p:spPr bwMode="auto">
           <a:xfrm>
-            <a:off x="76200" y="1656599"/>
-            <a:ext cx="1729740" cy="727826"/>
+            <a:off x="300038" y="381000"/>
+            <a:ext cx="3509962" cy="1676400"/>
           </a:xfrm>
           <a:prstGeom prst="rect">
             <a:avLst/>
@@ -1275,350 +1275,6 @@
       </p:grpSpPr>
       <p:sp>
         <p:nvSpPr>
-          <p:cNvPr id="4" name="Rectangle 3"/>
-          <p:cNvSpPr/>
-          <p:nvPr userDrawn="1"/>
-        </p:nvSpPr>
-        <p:spPr>
-          <a:xfrm>
-            <a:off x="0" y="6400800"/>
-            <a:ext cx="12192000" cy="457200"/>
-          </a:xfrm>
-          <a:prstGeom prst="rect">
-            <a:avLst/>
-          </a:prstGeom>
-          <a:solidFill>
-            <a:srgbClr val="CA0000"/>
-          </a:solidFill>
-          <a:ln>
-            <a:noFill/>
-          </a:ln>
-        </p:spPr>
-        <p:style>
-          <a:lnRef idx="2">
-            <a:schemeClr val="accent1">
-              <a:shade val="50000"/>
-            </a:schemeClr>
-          </a:lnRef>
-          <a:fillRef idx="1">
-            <a:schemeClr val="accent1"/>
-          </a:fillRef>
-          <a:effectRef idx="0">
-            <a:schemeClr val="accent1"/>
-          </a:effectRef>
-          <a:fontRef idx="minor">
-            <a:schemeClr val="lt1"/>
-          </a:fontRef>
-        </p:style>
-        <p:txBody>
-          <a:bodyPr anchor="ctr"/>
-          <a:lstStyle/>
-          <a:p>
-            <a:pPr algn="ctr">
-              <a:defRPr/>
-            </a:pPr>
-            <a:endParaRPr lang="en-US" sz="1800">
-              <a:solidFill>
-                <a:srgbClr val="FFFFFF"/>
-              </a:solidFill>
-              <a:latin typeface="Segoe UI" charset="0"/>
-              <a:ea typeface="ＭＳ Ｐゴシック" charset="0"/>
-              <a:cs typeface="ＭＳ Ｐゴシック" charset="0"/>
-            </a:endParaRPr>
-          </a:p>
-        </p:txBody>
-      </p:sp>
-      <p:sp>
-        <p:nvSpPr>
-          <p:cNvPr id="5" name="TextBox 4"/>
-          <p:cNvSpPr txBox="1"/>
-          <p:nvPr userDrawn="1"/>
-        </p:nvSpPr>
-        <p:spPr>
-          <a:xfrm>
-            <a:off x="101600" y="6429375"/>
-            <a:ext cx="8940800" cy="400050"/>
-          </a:xfrm>
-          <a:prstGeom prst="rect">
-            <a:avLst/>
-          </a:prstGeom>
-          <a:noFill/>
-        </p:spPr>
-        <p:txBody>
-          <a:bodyPr>
-            <a:spAutoFit/>
-          </a:bodyPr>
-          <a:lstStyle>
-            <a:lvl1pPr eaLnBrk="0" hangingPunct="0">
-              <a:defRPr sz="2400">
-                <a:solidFill>
-                  <a:schemeClr val="tx1"/>
-                </a:solidFill>
-                <a:latin typeface="Arial" charset="0"/>
-                <a:ea typeface="ＭＳ Ｐゴシック" charset="0"/>
-                <a:cs typeface="ＭＳ Ｐゴシック" charset="0"/>
-              </a:defRPr>
-            </a:lvl1pPr>
-            <a:lvl2pPr marL="37931725" indent="-37474525" eaLnBrk="0" hangingPunct="0">
-              <a:defRPr sz="2400">
-                <a:solidFill>
-                  <a:schemeClr val="tx1"/>
-                </a:solidFill>
-                <a:latin typeface="Arial" charset="0"/>
-                <a:ea typeface="ＭＳ Ｐゴシック" charset="0"/>
-              </a:defRPr>
-            </a:lvl2pPr>
-            <a:lvl3pPr eaLnBrk="0" hangingPunct="0">
-              <a:defRPr sz="2400">
-                <a:solidFill>
-                  <a:schemeClr val="tx1"/>
-                </a:solidFill>
-                <a:latin typeface="Arial" charset="0"/>
-                <a:ea typeface="ＭＳ Ｐゴシック" charset="0"/>
-              </a:defRPr>
-            </a:lvl3pPr>
-            <a:lvl4pPr eaLnBrk="0" hangingPunct="0">
-              <a:defRPr sz="2400">
-                <a:solidFill>
-                  <a:schemeClr val="tx1"/>
-                </a:solidFill>
-                <a:latin typeface="Arial" charset="0"/>
-                <a:ea typeface="ＭＳ Ｐゴシック" charset="0"/>
-              </a:defRPr>
-            </a:lvl4pPr>
-            <a:lvl5pPr eaLnBrk="0" hangingPunct="0">
-              <a:defRPr sz="2400">
-                <a:solidFill>
-                  <a:schemeClr val="tx1"/>
-                </a:solidFill>
-                <a:latin typeface="Arial" charset="0"/>
-                <a:ea typeface="ＭＳ Ｐゴシック" charset="0"/>
-              </a:defRPr>
-            </a:lvl5pPr>
-            <a:lvl6pPr marL="457200" eaLnBrk="0" fontAlgn="base" hangingPunct="0">
-              <a:spcBef>
-                <a:spcPct val="0"/>
-              </a:spcBef>
-              <a:spcAft>
-                <a:spcPct val="0"/>
-              </a:spcAft>
-              <a:defRPr sz="2400">
-                <a:solidFill>
-                  <a:schemeClr val="tx1"/>
-                </a:solidFill>
-                <a:latin typeface="Arial" charset="0"/>
-                <a:ea typeface="ＭＳ Ｐゴシック" charset="0"/>
-              </a:defRPr>
-            </a:lvl6pPr>
-            <a:lvl7pPr marL="914400" eaLnBrk="0" fontAlgn="base" hangingPunct="0">
-              <a:spcBef>
-                <a:spcPct val="0"/>
-              </a:spcBef>
-              <a:spcAft>
-                <a:spcPct val="0"/>
-              </a:spcAft>
-              <a:defRPr sz="2400">
-                <a:solidFill>
-                  <a:schemeClr val="tx1"/>
-                </a:solidFill>
-                <a:latin typeface="Arial" charset="0"/>
-                <a:ea typeface="ＭＳ Ｐゴシック" charset="0"/>
-              </a:defRPr>
-            </a:lvl7pPr>
-            <a:lvl8pPr marL="1371600" eaLnBrk="0" fontAlgn="base" hangingPunct="0">
-              <a:spcBef>
-                <a:spcPct val="0"/>
-              </a:spcBef>
-              <a:spcAft>
-                <a:spcPct val="0"/>
-              </a:spcAft>
-              <a:defRPr sz="2400">
-                <a:solidFill>
-                  <a:schemeClr val="tx1"/>
-                </a:solidFill>
-                <a:latin typeface="Arial" charset="0"/>
-                <a:ea typeface="ＭＳ Ｐゴシック" charset="0"/>
-              </a:defRPr>
-            </a:lvl8pPr>
-            <a:lvl9pPr marL="1828800" eaLnBrk="0" fontAlgn="base" hangingPunct="0">
-              <a:spcBef>
-                <a:spcPct val="0"/>
-              </a:spcBef>
-              <a:spcAft>
-                <a:spcPct val="0"/>
-              </a:spcAft>
-              <a:defRPr sz="2400">
-                <a:solidFill>
-                  <a:schemeClr val="tx1"/>
-                </a:solidFill>
-                <a:latin typeface="Arial" charset="0"/>
-                <a:ea typeface="ＭＳ Ｐゴシック" charset="0"/>
-              </a:defRPr>
-            </a:lvl9pPr>
-          </a:lstStyle>
-          <a:p>
-            <a:pPr eaLnBrk="1" hangingPunct="1">
-              <a:defRPr/>
-            </a:pPr>
-            <a:r>
-              <a:rPr lang="en-US" sz="2000" b="1">
-                <a:solidFill>
-                  <a:schemeClr val="bg1"/>
-                </a:solidFill>
-                <a:latin typeface="Calibri" charset="0"/>
-                <a:cs typeface="Calibri" charset="0"/>
-              </a:rPr>
-              <a:t>RNA sequencing and analysis</a:t>
-            </a:r>
-          </a:p>
-        </p:txBody>
-      </p:sp>
-      <p:sp>
-        <p:nvSpPr>
-          <p:cNvPr id="6" name="TextBox 5"/>
-          <p:cNvSpPr txBox="1"/>
-          <p:nvPr userDrawn="1"/>
-        </p:nvSpPr>
-        <p:spPr>
-          <a:xfrm>
-            <a:off x="8229600" y="6477000"/>
-            <a:ext cx="3860800" cy="338138"/>
-          </a:xfrm>
-          <a:prstGeom prst="rect">
-            <a:avLst/>
-          </a:prstGeom>
-          <a:noFill/>
-        </p:spPr>
-        <p:txBody>
-          <a:bodyPr>
-            <a:spAutoFit/>
-          </a:bodyPr>
-          <a:lstStyle>
-            <a:lvl1pPr eaLnBrk="0" hangingPunct="0">
-              <a:defRPr sz="2400">
-                <a:solidFill>
-                  <a:schemeClr val="tx1"/>
-                </a:solidFill>
-                <a:latin typeface="Arial" charset="0"/>
-                <a:ea typeface="ＭＳ Ｐゴシック" charset="0"/>
-                <a:cs typeface="ＭＳ Ｐゴシック" charset="0"/>
-              </a:defRPr>
-            </a:lvl1pPr>
-            <a:lvl2pPr marL="37931725" indent="-37474525" eaLnBrk="0" hangingPunct="0">
-              <a:defRPr sz="2400">
-                <a:solidFill>
-                  <a:schemeClr val="tx1"/>
-                </a:solidFill>
-                <a:latin typeface="Arial" charset="0"/>
-                <a:ea typeface="ＭＳ Ｐゴシック" charset="0"/>
-              </a:defRPr>
-            </a:lvl2pPr>
-            <a:lvl3pPr eaLnBrk="0" hangingPunct="0">
-              <a:defRPr sz="2400">
-                <a:solidFill>
-                  <a:schemeClr val="tx1"/>
-                </a:solidFill>
-                <a:latin typeface="Arial" charset="0"/>
-                <a:ea typeface="ＭＳ Ｐゴシック" charset="0"/>
-              </a:defRPr>
-            </a:lvl3pPr>
-            <a:lvl4pPr eaLnBrk="0" hangingPunct="0">
-              <a:defRPr sz="2400">
-                <a:solidFill>
-                  <a:schemeClr val="tx1"/>
-                </a:solidFill>
-                <a:latin typeface="Arial" charset="0"/>
-                <a:ea typeface="ＭＳ Ｐゴシック" charset="0"/>
-              </a:defRPr>
-            </a:lvl4pPr>
-            <a:lvl5pPr eaLnBrk="0" hangingPunct="0">
-              <a:defRPr sz="2400">
-                <a:solidFill>
-                  <a:schemeClr val="tx1"/>
-                </a:solidFill>
-                <a:latin typeface="Arial" charset="0"/>
-                <a:ea typeface="ＭＳ Ｐゴシック" charset="0"/>
-              </a:defRPr>
-            </a:lvl5pPr>
-            <a:lvl6pPr marL="457200" eaLnBrk="0" fontAlgn="base" hangingPunct="0">
-              <a:spcBef>
-                <a:spcPct val="0"/>
-              </a:spcBef>
-              <a:spcAft>
-                <a:spcPct val="0"/>
-              </a:spcAft>
-              <a:defRPr sz="2400">
-                <a:solidFill>
-                  <a:schemeClr val="tx1"/>
-                </a:solidFill>
-                <a:latin typeface="Arial" charset="0"/>
-                <a:ea typeface="ＭＳ Ｐゴシック" charset="0"/>
-              </a:defRPr>
-            </a:lvl6pPr>
-            <a:lvl7pPr marL="914400" eaLnBrk="0" fontAlgn="base" hangingPunct="0">
-              <a:spcBef>
-                <a:spcPct val="0"/>
-              </a:spcBef>
-              <a:spcAft>
-                <a:spcPct val="0"/>
-              </a:spcAft>
-              <a:defRPr sz="2400">
-                <a:solidFill>
-                  <a:schemeClr val="tx1"/>
-                </a:solidFill>
-                <a:latin typeface="Arial" charset="0"/>
-                <a:ea typeface="ＭＳ Ｐゴシック" charset="0"/>
-              </a:defRPr>
-            </a:lvl7pPr>
-            <a:lvl8pPr marL="1371600" eaLnBrk="0" fontAlgn="base" hangingPunct="0">
-              <a:spcBef>
-                <a:spcPct val="0"/>
-              </a:spcBef>
-              <a:spcAft>
-                <a:spcPct val="0"/>
-              </a:spcAft>
-              <a:defRPr sz="2400">
-                <a:solidFill>
-                  <a:schemeClr val="tx1"/>
-                </a:solidFill>
-                <a:latin typeface="Arial" charset="0"/>
-                <a:ea typeface="ＭＳ Ｐゴシック" charset="0"/>
-              </a:defRPr>
-            </a:lvl8pPr>
-            <a:lvl9pPr marL="1828800" eaLnBrk="0" fontAlgn="base" hangingPunct="0">
-              <a:spcBef>
-                <a:spcPct val="0"/>
-              </a:spcBef>
-              <a:spcAft>
-                <a:spcPct val="0"/>
-              </a:spcAft>
-              <a:defRPr sz="2400">
-                <a:solidFill>
-                  <a:schemeClr val="tx1"/>
-                </a:solidFill>
-                <a:latin typeface="Arial" charset="0"/>
-                <a:ea typeface="ＭＳ Ｐゴシック" charset="0"/>
-              </a:defRPr>
-            </a:lvl9pPr>
-          </a:lstStyle>
-          <a:p>
-            <a:pPr algn="r" eaLnBrk="1" hangingPunct="1">
-              <a:defRPr/>
-            </a:pPr>
-            <a:r>
-              <a:rPr lang="en-US" sz="1600" b="1">
-                <a:cs typeface="Arial" charset="0"/>
-              </a:rPr>
-              <a:t>http://meetings.cshl.edu/</a:t>
-            </a:r>
-            <a:endParaRPr lang="en-US" sz="1600">
-              <a:cs typeface="Arial" charset="0"/>
-            </a:endParaRPr>
-          </a:p>
-        </p:txBody>
-      </p:sp>
-      <p:sp>
-        <p:nvSpPr>
           <p:cNvPr id="3" name="Content Placeholder 2"/>
           <p:cNvSpPr>
             <a:spLocks noGrp="1"/>
@@ -1791,7 +1447,13 @@
       </p:sp>
       <p:pic>
         <p:nvPicPr>
-          <p:cNvPr id="3" name="Picture 7" descr="cshl_logo_alternate rgb.png"/>
+          <p:cNvPr id="4" name="Picture 7" descr="cshl_logo_alternate rgb.png">
+            <a:extLst>
+              <a:ext uri="{FF2B5EF4-FFF2-40B4-BE49-F238E27FC236}">
+                <a16:creationId xmlns:a16="http://schemas.microsoft.com/office/drawing/2014/main" id="{1C031BE2-EFE9-E04A-8FC5-6DF188E5EF91}"/>
+              </a:ext>
+            </a:extLst>
+          </p:cNvPr>
           <p:cNvPicPr>
             <a:picLocks noChangeAspect="1"/>
           </p:cNvPicPr>
@@ -1812,8 +1474,8 @@
         </p:blipFill>
         <p:spPr bwMode="auto">
           <a:xfrm>
-            <a:off x="400052" y="381000"/>
-            <a:ext cx="4679949" cy="1676400"/>
+            <a:off x="300038" y="381000"/>
+            <a:ext cx="3509962" cy="1676400"/>
           </a:xfrm>
           <a:prstGeom prst="rect">
             <a:avLst/>
@@ -1824,14 +1486,14 @@
           </a:ln>
           <a:extLst>
             <a:ext uri="{909E8E84-426E-40dd-AFC4-6F175D3DCCD1}">
-              <a14:hiddenFill xmlns="" xmlns:a14="http://schemas.microsoft.com/office/drawing/2010/main">
+              <a14:hiddenFill xmlns:a14="http://schemas.microsoft.com/office/drawing/2010/main" xmlns="">
                 <a:solidFill>
                   <a:srgbClr val="FFFFFF"/>
                 </a:solidFill>
               </a14:hiddenFill>
             </a:ext>
             <a:ext uri="{91240B29-F687-4f45-9708-019B960494DF}">
-              <a14:hiddenLine xmlns="" xmlns:a14="http://schemas.microsoft.com/office/drawing/2010/main" w="9525">
+              <a14:hiddenLine xmlns:a14="http://schemas.microsoft.com/office/drawing/2010/main" xmlns="" w="9525">
                 <a:solidFill>
                   <a:srgbClr val="000000"/>
                 </a:solidFill>
@@ -3828,14 +3490,14 @@
           </a:ln>
           <a:extLst>
             <a:ext uri="{909E8E84-426E-40dd-AFC4-6F175D3DCCD1}">
-              <a14:hiddenFill xmlns:a14="http://schemas.microsoft.com/office/drawing/2010/main" xmlns="">
+              <a14:hiddenFill xmlns="" xmlns:a14="http://schemas.microsoft.com/office/drawing/2010/main">
                 <a:solidFill>
                   <a:srgbClr val="FFFFFF"/>
                 </a:solidFill>
               </a14:hiddenFill>
             </a:ext>
             <a:ext uri="{91240B29-F687-4f45-9708-019B960494DF}">
-              <a14:hiddenLine xmlns:a14="http://schemas.microsoft.com/office/drawing/2010/main" xmlns="" w="9525">
+              <a14:hiddenLine xmlns="" xmlns:a14="http://schemas.microsoft.com/office/drawing/2010/main" w="9525">
                 <a:solidFill>
                   <a:srgbClr val="000000"/>
                 </a:solidFill>
@@ -4450,145 +4112,6 @@
       </p:grpSpPr>
       <p:sp>
         <p:nvSpPr>
-          <p:cNvPr id="57" name="Rectangle 56"/>
-          <p:cNvSpPr/>
-          <p:nvPr/>
-        </p:nvSpPr>
-        <p:spPr>
-          <a:xfrm>
-            <a:off x="1524001" y="2514601"/>
-            <a:ext cx="5758249" cy="3898557"/>
-          </a:xfrm>
-          <a:prstGeom prst="rect">
-            <a:avLst/>
-          </a:prstGeom>
-          <a:solidFill>
-            <a:schemeClr val="accent1">
-              <a:alpha val="18000"/>
-            </a:schemeClr>
-          </a:solidFill>
-          <a:ln>
-            <a:noFill/>
-          </a:ln>
-        </p:spPr>
-        <p:style>
-          <a:lnRef idx="1">
-            <a:schemeClr val="accent1"/>
-          </a:lnRef>
-          <a:fillRef idx="3">
-            <a:schemeClr val="accent1"/>
-          </a:fillRef>
-          <a:effectRef idx="2">
-            <a:schemeClr val="accent1"/>
-          </a:effectRef>
-          <a:fontRef idx="minor">
-            <a:schemeClr val="lt1"/>
-          </a:fontRef>
-        </p:style>
-        <p:txBody>
-          <a:bodyPr anchor="ctr"/>
-          <a:lstStyle/>
-          <a:p>
-            <a:pPr algn="ctr">
-              <a:defRPr/>
-            </a:pPr>
-            <a:endParaRPr lang="en-US">
-              <a:solidFill>
-                <a:srgbClr val="FFFFFF"/>
-              </a:solidFill>
-              <a:latin typeface="Calibri" charset="0"/>
-              <a:ea typeface="ＭＳ Ｐゴシック" charset="0"/>
-              <a:cs typeface="Calibri" charset="0"/>
-            </a:endParaRPr>
-          </a:p>
-        </p:txBody>
-      </p:sp>
-      <p:pic>
-        <p:nvPicPr>
-          <p:cNvPr id="10242" name="Picture 4" descr="TGI_logo_V_2color_bevel.tiff"/>
-          <p:cNvPicPr>
-            <a:picLocks noChangeAspect="1"/>
-          </p:cNvPicPr>
-          <p:nvPr/>
-        </p:nvPicPr>
-        <p:blipFill>
-          <a:blip r:embed="rId2">
-            <a:extLst>
-              <a:ext uri="{28A0092B-C50C-407E-A947-70E740481C1C}">
-                <a14:useLocalDpi xmlns:a14="http://schemas.microsoft.com/office/drawing/2010/main" val="0"/>
-              </a:ext>
-            </a:extLst>
-          </a:blip>
-          <a:srcRect l="31865" t="30911" r="32492" b="27831"/>
-          <a:stretch>
-            <a:fillRect/>
-          </a:stretch>
-        </p:blipFill>
-        <p:spPr bwMode="auto">
-          <a:xfrm>
-            <a:off x="8112126" y="3744914"/>
-            <a:ext cx="2181225" cy="1893887"/>
-          </a:xfrm>
-          <a:prstGeom prst="rect">
-            <a:avLst/>
-          </a:prstGeom>
-          <a:noFill/>
-          <a:ln>
-            <a:noFill/>
-          </a:ln>
-          <a:extLst>
-            <a:ext uri="{909E8E84-426E-40dd-AFC4-6F175D3DCCD1}">
-              <a14:hiddenFill xmlns="" xmlns:a14="http://schemas.microsoft.com/office/drawing/2010/main">
-                <a:solidFill>
-                  <a:srgbClr val="FFFFFF"/>
-                </a:solidFill>
-              </a14:hiddenFill>
-            </a:ext>
-            <a:ext uri="{91240B29-F687-4f45-9708-019B960494DF}">
-              <a14:hiddenLine xmlns="" xmlns:a14="http://schemas.microsoft.com/office/drawing/2010/main" w="9525">
-                <a:solidFill>
-                  <a:srgbClr val="000000"/>
-                </a:solidFill>
-                <a:miter lim="800000"/>
-                <a:headEnd/>
-                <a:tailEnd/>
-              </a14:hiddenLine>
-            </a:ext>
-          </a:extLst>
-        </p:spPr>
-      </p:pic>
-      <p:pic>
-        <p:nvPicPr>
-          <p:cNvPr id="2" name="Picture 1" descr="DataCenter.jpg"/>
-          <p:cNvPicPr>
-            <a:picLocks noChangeAspect="1"/>
-          </p:cNvPicPr>
-          <p:nvPr/>
-        </p:nvPicPr>
-        <p:blipFill>
-          <a:blip r:embed="rId3" cstate="print">
-            <a:extLst>
-              <a:ext uri="{28A0092B-C50C-407E-A947-70E740481C1C}">
-                <a14:useLocalDpi xmlns:a14="http://schemas.microsoft.com/office/drawing/2010/main" val="0"/>
-              </a:ext>
-            </a:extLst>
-          </a:blip>
-          <a:stretch>
-            <a:fillRect/>
-          </a:stretch>
-        </p:blipFill>
-        <p:spPr>
-          <a:xfrm>
-            <a:off x="1703513" y="2708921"/>
-            <a:ext cx="5133893" cy="3422595"/>
-          </a:xfrm>
-          <a:prstGeom prst="rect">
-            <a:avLst/>
-          </a:prstGeom>
-        </p:spPr>
-      </p:pic>
-      <p:sp>
-        <p:nvSpPr>
           <p:cNvPr id="7" name="Title 1">
             <a:extLst>
               <a:ext uri="{FF2B5EF4-FFF2-40B4-BE49-F238E27FC236}">
@@ -5014,6 +4537,238 @@
           </a:p>
         </p:txBody>
       </p:sp>
+      <p:grpSp>
+        <p:nvGrpSpPr>
+          <p:cNvPr id="11" name="Group 10">
+            <a:extLst>
+              <a:ext uri="{FF2B5EF4-FFF2-40B4-BE49-F238E27FC236}">
+                <a16:creationId xmlns:a16="http://schemas.microsoft.com/office/drawing/2014/main" id="{09B00BA2-1BDF-1143-B17B-0D737F1DCEEB}"/>
+              </a:ext>
+            </a:extLst>
+          </p:cNvPr>
+          <p:cNvGrpSpPr/>
+          <p:nvPr/>
+        </p:nvGrpSpPr>
+        <p:grpSpPr>
+          <a:xfrm>
+            <a:off x="367863" y="2514601"/>
+            <a:ext cx="11104782" cy="3898557"/>
+            <a:chOff x="367863" y="2514601"/>
+            <a:chExt cx="11104782" cy="3898557"/>
+          </a:xfrm>
+        </p:grpSpPr>
+        <p:pic>
+          <p:nvPicPr>
+            <p:cNvPr id="12" name="Picture 4" descr="TGI_logo_V_2color_bevel.tiff">
+              <a:extLst>
+                <a:ext uri="{FF2B5EF4-FFF2-40B4-BE49-F238E27FC236}">
+                  <a16:creationId xmlns:a16="http://schemas.microsoft.com/office/drawing/2014/main" id="{D3C4A443-8938-4D40-A6A8-BCD44DCAD04B}"/>
+                </a:ext>
+              </a:extLst>
+            </p:cNvPr>
+            <p:cNvPicPr>
+              <a:picLocks noChangeAspect="1"/>
+            </p:cNvPicPr>
+            <p:nvPr/>
+          </p:nvPicPr>
+          <p:blipFill>
+            <a:blip r:embed="rId2">
+              <a:extLst>
+                <a:ext uri="{28A0092B-C50C-407E-A947-70E740481C1C}">
+                  <a14:useLocalDpi xmlns:a14="http://schemas.microsoft.com/office/drawing/2010/main" val="0"/>
+                </a:ext>
+              </a:extLst>
+            </a:blip>
+            <a:srcRect l="31865" t="30911" r="32492" b="27831"/>
+            <a:stretch>
+              <a:fillRect/>
+            </a:stretch>
+          </p:blipFill>
+          <p:spPr bwMode="auto">
+            <a:xfrm>
+              <a:off x="8916770" y="3326484"/>
+              <a:ext cx="2555875" cy="2219183"/>
+            </a:xfrm>
+            <a:prstGeom prst="rect">
+              <a:avLst/>
+            </a:prstGeom>
+            <a:noFill/>
+            <a:ln>
+              <a:noFill/>
+            </a:ln>
+            <a:extLst>
+              <a:ext uri="{909E8E84-426E-40dd-AFC4-6F175D3DCCD1}">
+                <a14:hiddenFill xmlns="" xmlns:a14="http://schemas.microsoft.com/office/drawing/2010/main">
+                  <a:solidFill>
+                    <a:srgbClr val="FFFFFF"/>
+                  </a:solidFill>
+                </a14:hiddenFill>
+              </a:ext>
+              <a:ext uri="{91240B29-F687-4f45-9708-019B960494DF}">
+                <a14:hiddenLine xmlns="" xmlns:a14="http://schemas.microsoft.com/office/drawing/2010/main" w="9525">
+                  <a:solidFill>
+                    <a:srgbClr val="000000"/>
+                  </a:solidFill>
+                  <a:miter lim="800000"/>
+                  <a:headEnd/>
+                  <a:tailEnd/>
+                </a14:hiddenLine>
+              </a:ext>
+            </a:extLst>
+          </p:spPr>
+        </p:pic>
+        <p:sp>
+          <p:nvSpPr>
+            <p:cNvPr id="13" name="Rectangle 12">
+              <a:extLst>
+                <a:ext uri="{FF2B5EF4-FFF2-40B4-BE49-F238E27FC236}">
+                  <a16:creationId xmlns:a16="http://schemas.microsoft.com/office/drawing/2014/main" id="{FD471395-8BDE-3440-A9B3-DB31444DAA4F}"/>
+                </a:ext>
+              </a:extLst>
+            </p:cNvPr>
+            <p:cNvSpPr/>
+            <p:nvPr/>
+          </p:nvSpPr>
+          <p:spPr>
+            <a:xfrm>
+              <a:off x="367863" y="2514601"/>
+              <a:ext cx="7819697" cy="3898557"/>
+            </a:xfrm>
+            <a:prstGeom prst="rect">
+              <a:avLst/>
+            </a:prstGeom>
+            <a:solidFill>
+              <a:schemeClr val="accent1">
+                <a:alpha val="18000"/>
+              </a:schemeClr>
+            </a:solidFill>
+            <a:ln>
+              <a:noFill/>
+            </a:ln>
+          </p:spPr>
+          <p:style>
+            <a:lnRef idx="1">
+              <a:schemeClr val="accent1"/>
+            </a:lnRef>
+            <a:fillRef idx="3">
+              <a:schemeClr val="accent1"/>
+            </a:fillRef>
+            <a:effectRef idx="2">
+              <a:schemeClr val="accent1"/>
+            </a:effectRef>
+            <a:fontRef idx="minor">
+              <a:schemeClr val="lt1"/>
+            </a:fontRef>
+          </p:style>
+          <p:txBody>
+            <a:bodyPr anchor="ctr"/>
+            <a:lstStyle/>
+            <a:p>
+              <a:pPr algn="ctr">
+                <a:defRPr/>
+              </a:pPr>
+              <a:endParaRPr lang="en-US">
+                <a:solidFill>
+                  <a:srgbClr val="FFFFFF"/>
+                </a:solidFill>
+                <a:latin typeface="Calibri" charset="0"/>
+                <a:ea typeface="ＭＳ Ｐゴシック" charset="0"/>
+                <a:cs typeface="Calibri" charset="0"/>
+              </a:endParaRPr>
+            </a:p>
+          </p:txBody>
+        </p:sp>
+        <p:pic>
+          <p:nvPicPr>
+            <p:cNvPr id="14" name="Picture 13">
+              <a:extLst>
+                <a:ext uri="{FF2B5EF4-FFF2-40B4-BE49-F238E27FC236}">
+                  <a16:creationId xmlns:a16="http://schemas.microsoft.com/office/drawing/2014/main" id="{40055E91-9D2D-564E-915E-22B9FEADD9F3}"/>
+                </a:ext>
+              </a:extLst>
+            </p:cNvPr>
+            <p:cNvPicPr>
+              <a:picLocks noChangeAspect="1"/>
+            </p:cNvPicPr>
+            <p:nvPr/>
+          </p:nvPicPr>
+          <p:blipFill>
+            <a:blip r:embed="rId3"/>
+            <a:stretch>
+              <a:fillRect/>
+            </a:stretch>
+          </p:blipFill>
+          <p:spPr>
+            <a:xfrm>
+              <a:off x="488540" y="2640653"/>
+              <a:ext cx="3632886" cy="3632886"/>
+            </a:xfrm>
+            <a:prstGeom prst="rect">
+              <a:avLst/>
+            </a:prstGeom>
+          </p:spPr>
+        </p:pic>
+        <p:pic>
+          <p:nvPicPr>
+            <p:cNvPr id="15" name="Picture 1" descr="RNA-Seq-alignment.png">
+              <a:extLst>
+                <a:ext uri="{FF2B5EF4-FFF2-40B4-BE49-F238E27FC236}">
+                  <a16:creationId xmlns:a16="http://schemas.microsoft.com/office/drawing/2014/main" id="{2B32F136-8733-AB47-96F7-85892BBF9814}"/>
+                </a:ext>
+              </a:extLst>
+            </p:cNvPr>
+            <p:cNvPicPr>
+              <a:picLocks noChangeAspect="1"/>
+            </p:cNvPicPr>
+            <p:nvPr/>
+          </p:nvPicPr>
+          <p:blipFill>
+            <a:blip r:embed="rId4">
+              <a:extLst>
+                <a:ext uri="{28A0092B-C50C-407E-A947-70E740481C1C}">
+                  <a14:useLocalDpi xmlns:a14="http://schemas.microsoft.com/office/drawing/2010/main" val="0"/>
+                </a:ext>
+              </a:extLst>
+            </a:blip>
+            <a:srcRect/>
+            <a:stretch>
+              <a:fillRect/>
+            </a:stretch>
+          </p:blipFill>
+          <p:spPr bwMode="auto">
+            <a:xfrm>
+              <a:off x="4253254" y="2640653"/>
+              <a:ext cx="3797615" cy="3637252"/>
+            </a:xfrm>
+            <a:prstGeom prst="rect">
+              <a:avLst/>
+            </a:prstGeom>
+            <a:noFill/>
+            <a:ln>
+              <a:noFill/>
+            </a:ln>
+            <a:extLst>
+              <a:ext uri="{909E8E84-426E-40dd-AFC4-6F175D3DCCD1}">
+                <a14:hiddenFill xmlns="" xmlns:a14="http://schemas.microsoft.com/office/drawing/2010/main">
+                  <a:solidFill>
+                    <a:srgbClr val="FFFFFF"/>
+                  </a:solidFill>
+                </a14:hiddenFill>
+              </a:ext>
+              <a:ext uri="{91240B29-F687-4f45-9708-019B960494DF}">
+                <a14:hiddenLine xmlns="" xmlns:a14="http://schemas.microsoft.com/office/drawing/2010/main" w="9525">
+                  <a:solidFill>
+                    <a:srgbClr val="000000"/>
+                  </a:solidFill>
+                  <a:miter lim="800000"/>
+                  <a:headEnd/>
+                  <a:tailEnd/>
+                </a14:hiddenLine>
+              </a:ext>
+            </a:extLst>
+          </p:spPr>
+        </p:pic>
+      </p:grpSp>
     </p:spTree>
     <p:extLst>
       <p:ext uri="{BB962C8B-B14F-4D97-AF65-F5344CB8AC3E}">

--- a/assets/lectures/cshl/2019/mini/RNASeq_MiniLecture_04_01_AlignmentFreeKallisto.pptx
+++ b/assets/lectures/cshl/2019/mini/RNASeq_MiniLecture_04_01_AlignmentFreeKallisto.pptx
@@ -798,35 +798,6 @@
       </p:sp>
       <p:sp>
         <p:nvSpPr>
-          <p:cNvPr id="6" name="Slide Number Placeholder 5">
-            <a:extLst>
-              <a:ext uri="{FF2B5EF4-FFF2-40B4-BE49-F238E27FC236}">
-                <a16:creationId xmlns:a16="http://schemas.microsoft.com/office/drawing/2014/main" id="{D7256FAD-87EC-594B-B262-2B748B57FD14}"/>
-              </a:ext>
-            </a:extLst>
-          </p:cNvPr>
-          <p:cNvSpPr>
-            <a:spLocks noGrp="1"/>
-          </p:cNvSpPr>
-          <p:nvPr>
-            <p:ph type="sldNum" sz="quarter" idx="12"/>
-          </p:nvPr>
-        </p:nvSpPr>
-        <p:spPr/>
-        <p:txBody>
-          <a:bodyPr/>
-          <a:lstStyle/>
-          <a:p>
-            <a:fld id="{0B973F48-4628-F846-BA33-DDE653D83577}" type="slidenum">
-              <a:rPr lang="en-US" smtClean="0"/>
-              <a:t>‹#›</a:t>
-            </a:fld>
-            <a:endParaRPr lang="en-US"/>
-          </a:p>
-        </p:txBody>
-      </p:sp>
-      <p:sp>
-        <p:nvSpPr>
           <p:cNvPr id="7" name="Rectangle 6">
             <a:extLst>
               <a:ext uri="{FF2B5EF4-FFF2-40B4-BE49-F238E27FC236}">
@@ -926,14 +897,14 @@
           </a:ln>
           <a:extLst>
             <a:ext uri="{909E8E84-426E-40dd-AFC4-6F175D3DCCD1}">
-              <a14:hiddenFill xmlns:a14="http://schemas.microsoft.com/office/drawing/2010/main" xmlns="">
+              <a14:hiddenFill xmlns="" xmlns:a14="http://schemas.microsoft.com/office/drawing/2010/main">
                 <a:solidFill>
                   <a:srgbClr val="FFFFFF"/>
                 </a:solidFill>
               </a14:hiddenFill>
             </a:ext>
             <a:ext uri="{91240B29-F687-4f45-9708-019B960494DF}">
-              <a14:hiddenLine xmlns:a14="http://schemas.microsoft.com/office/drawing/2010/main" xmlns="" w="9525">
+              <a14:hiddenLine xmlns="" xmlns:a14="http://schemas.microsoft.com/office/drawing/2010/main" w="9525">
                 <a:solidFill>
                   <a:srgbClr val="000000"/>
                 </a:solidFill>
@@ -1060,35 +1031,6 @@
           </a:p>
         </p:txBody>
       </p:sp>
-      <p:sp>
-        <p:nvSpPr>
-          <p:cNvPr id="6" name="Slide Number Placeholder 5">
-            <a:extLst>
-              <a:ext uri="{FF2B5EF4-FFF2-40B4-BE49-F238E27FC236}">
-                <a16:creationId xmlns:a16="http://schemas.microsoft.com/office/drawing/2014/main" id="{CE0222C1-21B6-E14F-9F34-4E0C4221C434}"/>
-              </a:ext>
-            </a:extLst>
-          </p:cNvPr>
-          <p:cNvSpPr>
-            <a:spLocks noGrp="1"/>
-          </p:cNvSpPr>
-          <p:nvPr>
-            <p:ph type="sldNum" sz="quarter" idx="12"/>
-          </p:nvPr>
-        </p:nvSpPr>
-        <p:spPr/>
-        <p:txBody>
-          <a:bodyPr/>
-          <a:lstStyle/>
-          <a:p>
-            <a:fld id="{0B973F48-4628-F846-BA33-DDE653D83577}" type="slidenum">
-              <a:rPr lang="en-US" smtClean="0"/>
-              <a:t>‹#›</a:t>
-            </a:fld>
-            <a:endParaRPr lang="en-US"/>
-          </a:p>
-        </p:txBody>
-      </p:sp>
     </p:spTree>
     <p:extLst>
       <p:ext uri="{BB962C8B-B14F-4D97-AF65-F5344CB8AC3E}">
@@ -1211,35 +1153,6 @@
               <a:rPr lang="en-US"/>
               <a:t>Fifth level</a:t>
             </a:r>
-          </a:p>
-        </p:txBody>
-      </p:sp>
-      <p:sp>
-        <p:nvSpPr>
-          <p:cNvPr id="6" name="Slide Number Placeholder 5">
-            <a:extLst>
-              <a:ext uri="{FF2B5EF4-FFF2-40B4-BE49-F238E27FC236}">
-                <a16:creationId xmlns:a16="http://schemas.microsoft.com/office/drawing/2014/main" id="{C4C2FCA7-7A48-5E4F-BC6A-8A3BDBEAC3C1}"/>
-              </a:ext>
-            </a:extLst>
-          </p:cNvPr>
-          <p:cNvSpPr>
-            <a:spLocks noGrp="1"/>
-          </p:cNvSpPr>
-          <p:nvPr>
-            <p:ph type="sldNum" sz="quarter" idx="12"/>
-          </p:nvPr>
-        </p:nvSpPr>
-        <p:spPr/>
-        <p:txBody>
-          <a:bodyPr/>
-          <a:lstStyle/>
-          <a:p>
-            <a:fld id="{0B973F48-4628-F846-BA33-DDE653D83577}" type="slidenum">
-              <a:rPr lang="en-US" smtClean="0"/>
-              <a:t>‹#›</a:t>
-            </a:fld>
-            <a:endParaRPr lang="en-US"/>
           </a:p>
         </p:txBody>
       </p:sp>
@@ -1486,14 +1399,14 @@
           </a:ln>
           <a:extLst>
             <a:ext uri="{909E8E84-426E-40dd-AFC4-6F175D3DCCD1}">
-              <a14:hiddenFill xmlns:a14="http://schemas.microsoft.com/office/drawing/2010/main" xmlns="">
+              <a14:hiddenFill xmlns="" xmlns:a14="http://schemas.microsoft.com/office/drawing/2010/main">
                 <a:solidFill>
                   <a:srgbClr val="FFFFFF"/>
                 </a:solidFill>
               </a14:hiddenFill>
             </a:ext>
             <a:ext uri="{91240B29-F687-4f45-9708-019B960494DF}">
-              <a14:hiddenLine xmlns:a14="http://schemas.microsoft.com/office/drawing/2010/main" xmlns="" w="9525">
+              <a14:hiddenLine xmlns="" xmlns:a14="http://schemas.microsoft.com/office/drawing/2010/main" w="9525">
                 <a:solidFill>
                   <a:srgbClr val="000000"/>
                 </a:solidFill>
@@ -1617,35 +1530,6 @@
               <a:rPr lang="en-US"/>
               <a:t>Fifth level</a:t>
             </a:r>
-          </a:p>
-        </p:txBody>
-      </p:sp>
-      <p:sp>
-        <p:nvSpPr>
-          <p:cNvPr id="6" name="Slide Number Placeholder 5">
-            <a:extLst>
-              <a:ext uri="{FF2B5EF4-FFF2-40B4-BE49-F238E27FC236}">
-                <a16:creationId xmlns:a16="http://schemas.microsoft.com/office/drawing/2014/main" id="{BBA7E5F7-C396-4941-BBC4-7BEAF927C071}"/>
-              </a:ext>
-            </a:extLst>
-          </p:cNvPr>
-          <p:cNvSpPr>
-            <a:spLocks noGrp="1"/>
-          </p:cNvSpPr>
-          <p:nvPr>
-            <p:ph type="sldNum" sz="quarter" idx="12"/>
-          </p:nvPr>
-        </p:nvSpPr>
-        <p:spPr/>
-        <p:txBody>
-          <a:bodyPr/>
-          <a:lstStyle/>
-          <a:p>
-            <a:fld id="{0B973F48-4628-F846-BA33-DDE653D83577}" type="slidenum">
-              <a:rPr lang="en-US" smtClean="0"/>
-              <a:t>‹#›</a:t>
-            </a:fld>
-            <a:endParaRPr lang="en-US"/>
           </a:p>
         </p:txBody>
       </p:sp>
@@ -1841,35 +1725,6 @@
           </a:p>
         </p:txBody>
       </p:sp>
-      <p:sp>
-        <p:nvSpPr>
-          <p:cNvPr id="6" name="Slide Number Placeholder 5">
-            <a:extLst>
-              <a:ext uri="{FF2B5EF4-FFF2-40B4-BE49-F238E27FC236}">
-                <a16:creationId xmlns:a16="http://schemas.microsoft.com/office/drawing/2014/main" id="{E5EEE93E-C8A1-354A-AF1E-19A5283E305A}"/>
-              </a:ext>
-            </a:extLst>
-          </p:cNvPr>
-          <p:cNvSpPr>
-            <a:spLocks noGrp="1"/>
-          </p:cNvSpPr>
-          <p:nvPr>
-            <p:ph type="sldNum" sz="quarter" idx="12"/>
-          </p:nvPr>
-        </p:nvSpPr>
-        <p:spPr/>
-        <p:txBody>
-          <a:bodyPr/>
-          <a:lstStyle/>
-          <a:p>
-            <a:fld id="{0B973F48-4628-F846-BA33-DDE653D83577}" type="slidenum">
-              <a:rPr lang="en-US" smtClean="0"/>
-              <a:t>‹#›</a:t>
-            </a:fld>
-            <a:endParaRPr lang="en-US"/>
-          </a:p>
-        </p:txBody>
-      </p:sp>
     </p:spTree>
     <p:extLst>
       <p:ext uri="{BB962C8B-B14F-4D97-AF65-F5344CB8AC3E}">
@@ -2049,35 +1904,6 @@
               <a:rPr lang="en-US"/>
               <a:t>Fifth level</a:t>
             </a:r>
-          </a:p>
-        </p:txBody>
-      </p:sp>
-      <p:sp>
-        <p:nvSpPr>
-          <p:cNvPr id="7" name="Slide Number Placeholder 6">
-            <a:extLst>
-              <a:ext uri="{FF2B5EF4-FFF2-40B4-BE49-F238E27FC236}">
-                <a16:creationId xmlns:a16="http://schemas.microsoft.com/office/drawing/2014/main" id="{FB759064-C295-474C-91BC-B8179C14C201}"/>
-              </a:ext>
-            </a:extLst>
-          </p:cNvPr>
-          <p:cNvSpPr>
-            <a:spLocks noGrp="1"/>
-          </p:cNvSpPr>
-          <p:nvPr>
-            <p:ph type="sldNum" sz="quarter" idx="12"/>
-          </p:nvPr>
-        </p:nvSpPr>
-        <p:spPr/>
-        <p:txBody>
-          <a:bodyPr/>
-          <a:lstStyle/>
-          <a:p>
-            <a:fld id="{0B973F48-4628-F846-BA33-DDE653D83577}" type="slidenum">
-              <a:rPr lang="en-US" smtClean="0"/>
-              <a:t>‹#›</a:t>
-            </a:fld>
-            <a:endParaRPr lang="en-US"/>
           </a:p>
         </p:txBody>
       </p:sp>
@@ -2410,35 +2236,6 @@
           </a:p>
         </p:txBody>
       </p:sp>
-      <p:sp>
-        <p:nvSpPr>
-          <p:cNvPr id="9" name="Slide Number Placeholder 8">
-            <a:extLst>
-              <a:ext uri="{FF2B5EF4-FFF2-40B4-BE49-F238E27FC236}">
-                <a16:creationId xmlns:a16="http://schemas.microsoft.com/office/drawing/2014/main" id="{B72AE139-D882-D94E-B377-D84A207665BF}"/>
-              </a:ext>
-            </a:extLst>
-          </p:cNvPr>
-          <p:cNvSpPr>
-            <a:spLocks noGrp="1"/>
-          </p:cNvSpPr>
-          <p:nvPr>
-            <p:ph type="sldNum" sz="quarter" idx="12"/>
-          </p:nvPr>
-        </p:nvSpPr>
-        <p:spPr/>
-        <p:txBody>
-          <a:bodyPr/>
-          <a:lstStyle/>
-          <a:p>
-            <a:fld id="{0B973F48-4628-F846-BA33-DDE653D83577}" type="slidenum">
-              <a:rPr lang="en-US" smtClean="0"/>
-              <a:t>‹#›</a:t>
-            </a:fld>
-            <a:endParaRPr lang="en-US"/>
-          </a:p>
-        </p:txBody>
-      </p:sp>
     </p:spTree>
     <p:extLst>
       <p:ext uri="{BB962C8B-B14F-4D97-AF65-F5344CB8AC3E}">
@@ -2497,35 +2294,6 @@
           </a:p>
         </p:txBody>
       </p:sp>
-      <p:sp>
-        <p:nvSpPr>
-          <p:cNvPr id="5" name="Slide Number Placeholder 4">
-            <a:extLst>
-              <a:ext uri="{FF2B5EF4-FFF2-40B4-BE49-F238E27FC236}">
-                <a16:creationId xmlns:a16="http://schemas.microsoft.com/office/drawing/2014/main" id="{81EC7837-FC7B-6043-8182-02D7718729CA}"/>
-              </a:ext>
-            </a:extLst>
-          </p:cNvPr>
-          <p:cNvSpPr>
-            <a:spLocks noGrp="1"/>
-          </p:cNvSpPr>
-          <p:nvPr>
-            <p:ph type="sldNum" sz="quarter" idx="12"/>
-          </p:nvPr>
-        </p:nvSpPr>
-        <p:spPr/>
-        <p:txBody>
-          <a:bodyPr/>
-          <a:lstStyle/>
-          <a:p>
-            <a:fld id="{0B973F48-4628-F846-BA33-DDE653D83577}" type="slidenum">
-              <a:rPr lang="en-US" smtClean="0"/>
-              <a:t>‹#›</a:t>
-            </a:fld>
-            <a:endParaRPr lang="en-US"/>
-          </a:p>
-        </p:txBody>
-      </p:sp>
     </p:spTree>
     <p:extLst>
       <p:ext uri="{BB962C8B-B14F-4D97-AF65-F5344CB8AC3E}">
@@ -2556,35 +2324,6 @@
           <a:chExt cx="0" cy="0"/>
         </a:xfrm>
       </p:grpSpPr>
-      <p:sp>
-        <p:nvSpPr>
-          <p:cNvPr id="4" name="Slide Number Placeholder 3">
-            <a:extLst>
-              <a:ext uri="{FF2B5EF4-FFF2-40B4-BE49-F238E27FC236}">
-                <a16:creationId xmlns:a16="http://schemas.microsoft.com/office/drawing/2014/main" id="{D575A9DD-FA0A-D64B-B42E-72A4B0E3557A}"/>
-              </a:ext>
-            </a:extLst>
-          </p:cNvPr>
-          <p:cNvSpPr>
-            <a:spLocks noGrp="1"/>
-          </p:cNvSpPr>
-          <p:nvPr>
-            <p:ph type="sldNum" sz="quarter" idx="12"/>
-          </p:nvPr>
-        </p:nvSpPr>
-        <p:spPr/>
-        <p:txBody>
-          <a:bodyPr/>
-          <a:lstStyle/>
-          <a:p>
-            <a:fld id="{0B973F48-4628-F846-BA33-DDE653D83577}" type="slidenum">
-              <a:rPr lang="en-US" smtClean="0"/>
-              <a:t>‹#›</a:t>
-            </a:fld>
-            <a:endParaRPr lang="en-US"/>
-          </a:p>
-        </p:txBody>
-      </p:sp>
     </p:spTree>
     <p:extLst>
       <p:ext uri="{BB962C8B-B14F-4D97-AF65-F5344CB8AC3E}">
@@ -2810,35 +2549,6 @@
               <a:rPr lang="en-US"/>
               <a:t>Edit Master text styles</a:t>
             </a:r>
-          </a:p>
-        </p:txBody>
-      </p:sp>
-      <p:sp>
-        <p:nvSpPr>
-          <p:cNvPr id="7" name="Slide Number Placeholder 6">
-            <a:extLst>
-              <a:ext uri="{FF2B5EF4-FFF2-40B4-BE49-F238E27FC236}">
-                <a16:creationId xmlns:a16="http://schemas.microsoft.com/office/drawing/2014/main" id="{3BCAFAD0-D61F-3F4F-8E0D-9A64CA7C4640}"/>
-              </a:ext>
-            </a:extLst>
-          </p:cNvPr>
-          <p:cNvSpPr>
-            <a:spLocks noGrp="1"/>
-          </p:cNvSpPr>
-          <p:nvPr>
-            <p:ph type="sldNum" sz="quarter" idx="12"/>
-          </p:nvPr>
-        </p:nvSpPr>
-        <p:spPr/>
-        <p:txBody>
-          <a:bodyPr/>
-          <a:lstStyle/>
-          <a:p>
-            <a:fld id="{0B973F48-4628-F846-BA33-DDE653D83577}" type="slidenum">
-              <a:rPr lang="en-US" smtClean="0"/>
-              <a:t>‹#›</a:t>
-            </a:fld>
-            <a:endParaRPr lang="en-US"/>
           </a:p>
         </p:txBody>
       </p:sp>
@@ -3044,35 +2754,6 @@
               <a:rPr lang="en-US"/>
               <a:t>Edit Master text styles</a:t>
             </a:r>
-          </a:p>
-        </p:txBody>
-      </p:sp>
-      <p:sp>
-        <p:nvSpPr>
-          <p:cNvPr id="7" name="Slide Number Placeholder 6">
-            <a:extLst>
-              <a:ext uri="{FF2B5EF4-FFF2-40B4-BE49-F238E27FC236}">
-                <a16:creationId xmlns:a16="http://schemas.microsoft.com/office/drawing/2014/main" id="{7E12F28C-AB7A-EF4C-84CD-F4B5CE4282E4}"/>
-              </a:ext>
-            </a:extLst>
-          </p:cNvPr>
-          <p:cNvSpPr>
-            <a:spLocks noGrp="1"/>
-          </p:cNvSpPr>
-          <p:nvPr>
-            <p:ph type="sldNum" sz="quarter" idx="12"/>
-          </p:nvPr>
-        </p:nvSpPr>
-        <p:spPr/>
-        <p:txBody>
-          <a:bodyPr/>
-          <a:lstStyle/>
-          <a:p>
-            <a:fld id="{0B973F48-4628-F846-BA33-DDE653D83577}" type="slidenum">
-              <a:rPr lang="en-US" smtClean="0"/>
-              <a:t>‹#›</a:t>
-            </a:fld>
-            <a:endParaRPr lang="en-US"/>
           </a:p>
         </p:txBody>
       </p:sp>
@@ -3218,53 +2899,6 @@
       </p:sp>
       <p:sp>
         <p:nvSpPr>
-          <p:cNvPr id="6" name="Slide Number Placeholder 5">
-            <a:extLst>
-              <a:ext uri="{FF2B5EF4-FFF2-40B4-BE49-F238E27FC236}">
-                <a16:creationId xmlns:a16="http://schemas.microsoft.com/office/drawing/2014/main" id="{7F50DDCB-DB12-4B4D-B2A3-DF7E27851109}"/>
-              </a:ext>
-            </a:extLst>
-          </p:cNvPr>
-          <p:cNvSpPr>
-            <a:spLocks noGrp="1"/>
-          </p:cNvSpPr>
-          <p:nvPr>
-            <p:ph type="sldNum" sz="quarter" idx="4"/>
-          </p:nvPr>
-        </p:nvSpPr>
-        <p:spPr>
-          <a:xfrm>
-            <a:off x="9448800" y="6065837"/>
-            <a:ext cx="2743200" cy="365125"/>
-          </a:xfrm>
-          <a:prstGeom prst="rect">
-            <a:avLst/>
-          </a:prstGeom>
-        </p:spPr>
-        <p:txBody>
-          <a:bodyPr vert="horz" lIns="91440" tIns="45720" rIns="91440" bIns="45720" rtlCol="0" anchor="ctr"/>
-          <a:lstStyle>
-            <a:lvl1pPr algn="r">
-              <a:defRPr sz="1200">
-                <a:solidFill>
-                  <a:schemeClr val="tx1">
-                    <a:tint val="75000"/>
-                  </a:schemeClr>
-                </a:solidFill>
-              </a:defRPr>
-            </a:lvl1pPr>
-          </a:lstStyle>
-          <a:p>
-            <a:fld id="{0B973F48-4628-F846-BA33-DDE653D83577}" type="slidenum">
-              <a:rPr lang="en-US" smtClean="0"/>
-              <a:t>‹#›</a:t>
-            </a:fld>
-            <a:endParaRPr lang="en-US" dirty="0"/>
-          </a:p>
-        </p:txBody>
-      </p:sp>
-      <p:sp>
-        <p:nvSpPr>
           <p:cNvPr id="9" name="Slide Number Placeholder 5">
             <a:extLst>
               <a:ext uri="{FF2B5EF4-FFF2-40B4-BE49-F238E27FC236}">
@@ -3490,14 +3124,14 @@
           </a:ln>
           <a:extLst>
             <a:ext uri="{909E8E84-426E-40dd-AFC4-6F175D3DCCD1}">
-              <a14:hiddenFill xmlns="" xmlns:a14="http://schemas.microsoft.com/office/drawing/2010/main">
+              <a14:hiddenFill xmlns:a14="http://schemas.microsoft.com/office/drawing/2010/main" xmlns="">
                 <a:solidFill>
                   <a:srgbClr val="FFFFFF"/>
                 </a:solidFill>
               </a14:hiddenFill>
             </a:ext>
             <a:ext uri="{91240B29-F687-4f45-9708-019B960494DF}">
-              <a14:hiddenLine xmlns="" xmlns:a14="http://schemas.microsoft.com/office/drawing/2010/main" w="9525">
+              <a14:hiddenLine xmlns:a14="http://schemas.microsoft.com/office/drawing/2010/main" xmlns="" w="9525">
                 <a:solidFill>
                   <a:srgbClr val="000000"/>
                 </a:solidFill>
@@ -3776,7 +3410,7 @@
               <a:defRPr/>
             </a:pPr>
             <a:r>
-              <a:rPr lang="en-US" b="1" dirty="0" err="1">
+              <a:rPr lang="en-US" b="1" dirty="0">
                 <a:cs typeface="Arial" charset="0"/>
               </a:rPr>
               <a:t>rnabio.org</a:t>
@@ -4598,14 +4232,14 @@
             </a:ln>
             <a:extLst>
               <a:ext uri="{909E8E84-426E-40dd-AFC4-6F175D3DCCD1}">
-                <a14:hiddenFill xmlns="" xmlns:a14="http://schemas.microsoft.com/office/drawing/2010/main">
+                <a14:hiddenFill xmlns:a14="http://schemas.microsoft.com/office/drawing/2010/main" xmlns="">
                   <a:solidFill>
                     <a:srgbClr val="FFFFFF"/>
                   </a:solidFill>
                 </a14:hiddenFill>
               </a:ext>
               <a:ext uri="{91240B29-F687-4f45-9708-019B960494DF}">
-                <a14:hiddenLine xmlns="" xmlns:a14="http://schemas.microsoft.com/office/drawing/2010/main" w="9525">
+                <a14:hiddenLine xmlns:a14="http://schemas.microsoft.com/office/drawing/2010/main" xmlns="" w="9525">
                   <a:solidFill>
                     <a:srgbClr val="000000"/>
                   </a:solidFill>
@@ -4749,14 +4383,14 @@
             </a:ln>
             <a:extLst>
               <a:ext uri="{909E8E84-426E-40dd-AFC4-6F175D3DCCD1}">
-                <a14:hiddenFill xmlns="" xmlns:a14="http://schemas.microsoft.com/office/drawing/2010/main">
+                <a14:hiddenFill xmlns:a14="http://schemas.microsoft.com/office/drawing/2010/main" xmlns="">
                   <a:solidFill>
                     <a:srgbClr val="FFFFFF"/>
                   </a:solidFill>
                 </a14:hiddenFill>
               </a:ext>
               <a:ext uri="{91240B29-F687-4f45-9708-019B960494DF}">
-                <a14:hiddenLine xmlns="" xmlns:a14="http://schemas.microsoft.com/office/drawing/2010/main" w="9525">
+                <a14:hiddenLine xmlns:a14="http://schemas.microsoft.com/office/drawing/2010/main" xmlns="" w="9525">
                   <a:solidFill>
                     <a:srgbClr val="000000"/>
                   </a:solidFill>

--- a/assets/lectures/cshl/2019/mini/RNASeq_MiniLecture_04_01_AlignmentFreeKallisto.pptx
+++ b/assets/lectures/cshl/2019/mini/RNASeq_MiniLecture_04_01_AlignmentFreeKallisto.pptx
@@ -897,14 +897,14 @@
           </a:ln>
           <a:extLst>
             <a:ext uri="{909E8E84-426E-40dd-AFC4-6F175D3DCCD1}">
-              <a14:hiddenFill xmlns="" xmlns:a14="http://schemas.microsoft.com/office/drawing/2010/main">
+              <a14:hiddenFill xmlns:a14="http://schemas.microsoft.com/office/drawing/2010/main" xmlns="">
                 <a:solidFill>
                   <a:srgbClr val="FFFFFF"/>
                 </a:solidFill>
               </a14:hiddenFill>
             </a:ext>
             <a:ext uri="{91240B29-F687-4f45-9708-019B960494DF}">
-              <a14:hiddenLine xmlns="" xmlns:a14="http://schemas.microsoft.com/office/drawing/2010/main" w="9525">
+              <a14:hiddenLine xmlns:a14="http://schemas.microsoft.com/office/drawing/2010/main" xmlns="" w="9525">
                 <a:solidFill>
                   <a:srgbClr val="000000"/>
                 </a:solidFill>
@@ -1399,14 +1399,14 @@
           </a:ln>
           <a:extLst>
             <a:ext uri="{909E8E84-426E-40dd-AFC4-6F175D3DCCD1}">
-              <a14:hiddenFill xmlns="" xmlns:a14="http://schemas.microsoft.com/office/drawing/2010/main">
+              <a14:hiddenFill xmlns:a14="http://schemas.microsoft.com/office/drawing/2010/main" xmlns="">
                 <a:solidFill>
                   <a:srgbClr val="FFFFFF"/>
                 </a:solidFill>
               </a14:hiddenFill>
             </a:ext>
             <a:ext uri="{91240B29-F687-4f45-9708-019B960494DF}">
-              <a14:hiddenLine xmlns="" xmlns:a14="http://schemas.microsoft.com/office/drawing/2010/main" w="9525">
+              <a14:hiddenLine xmlns:a14="http://schemas.microsoft.com/office/drawing/2010/main" xmlns="" w="9525">
                 <a:solidFill>
                   <a:srgbClr val="000000"/>
                 </a:solidFill>
@@ -3098,10 +3098,10 @@
       </p:sp>
       <p:sp>
         <p:nvSpPr>
-          <p:cNvPr id="11" name="TextBox 10">
+          <p:cNvPr id="8" name="TextBox 7">
             <a:extLst>
               <a:ext uri="{FF2B5EF4-FFF2-40B4-BE49-F238E27FC236}">
-                <a16:creationId xmlns:a16="http://schemas.microsoft.com/office/drawing/2014/main" id="{2CE4FBA7-EA83-4B4B-A7C6-F0F5766917AC}"/>
+                <a16:creationId xmlns:a16="http://schemas.microsoft.com/office/drawing/2014/main" id="{6C37FDEE-DCF3-CA47-B203-3C8EA3368820}"/>
               </a:ext>
             </a:extLst>
           </p:cNvPr>
@@ -3112,8 +3112,8 @@
         </p:nvSpPr>
         <p:spPr bwMode="auto">
           <a:xfrm>
-            <a:off x="0" y="6430962"/>
-            <a:ext cx="6705600" cy="396875"/>
+            <a:off x="111760" y="6447904"/>
+            <a:ext cx="2521392" cy="369332"/>
           </a:xfrm>
           <a:prstGeom prst="rect">
             <a:avLst/>
@@ -3143,7 +3143,7 @@
           </a:extLst>
         </p:spPr>
         <p:txBody>
-          <a:bodyPr>
+          <a:bodyPr wrap="square">
             <a:spAutoFit/>
           </a:bodyPr>
           <a:lstStyle>
@@ -3259,7 +3259,7 @@
               <a:defRPr/>
             </a:pPr>
             <a:r>
-              <a:rPr lang="en-US" sz="2000" b="1" dirty="0">
+              <a:rPr lang="en-US" sz="1800" b="1" dirty="0">
                 <a:solidFill>
                   <a:schemeClr val="bg1"/>
                 </a:solidFill>
@@ -3273,10 +3273,10 @@
       </p:sp>
       <p:sp>
         <p:nvSpPr>
-          <p:cNvPr id="12" name="TextBox 11">
+          <p:cNvPr id="13" name="TextBox 12">
             <a:extLst>
               <a:ext uri="{FF2B5EF4-FFF2-40B4-BE49-F238E27FC236}">
-                <a16:creationId xmlns:a16="http://schemas.microsoft.com/office/drawing/2014/main" id="{8EB12434-FD9E-4242-B813-5136B9D05A8A}"/>
+                <a16:creationId xmlns:a16="http://schemas.microsoft.com/office/drawing/2014/main" id="{3CF7ACC7-6704-F945-B604-C4B4FCBC87C1}"/>
               </a:ext>
             </a:extLst>
           </p:cNvPr>
@@ -3285,8 +3285,8 @@
         </p:nvSpPr>
         <p:spPr>
           <a:xfrm>
-            <a:off x="9639300" y="6400800"/>
-            <a:ext cx="2362200" cy="457200"/>
+            <a:off x="9721408" y="6447904"/>
+            <a:ext cx="2362200" cy="369332"/>
           </a:xfrm>
           <a:prstGeom prst="rect">
             <a:avLst/>
@@ -3410,13 +3410,65 @@
               <a:defRPr/>
             </a:pPr>
             <a:r>
-              <a:rPr lang="en-US" b="1" dirty="0">
+              <a:rPr lang="en-US" sz="1800" b="1" dirty="0">
+                <a:solidFill>
+                  <a:schemeClr val="bg1"/>
+                </a:solidFill>
                 <a:cs typeface="Arial" charset="0"/>
               </a:rPr>
               <a:t>rnabio.org</a:t>
             </a:r>
-            <a:endParaRPr lang="en-US" dirty="0">
+            <a:endParaRPr lang="en-US" sz="1800" dirty="0">
+              <a:solidFill>
+                <a:schemeClr val="bg1"/>
+              </a:solidFill>
               <a:cs typeface="Arial" charset="0"/>
+            </a:endParaRPr>
+          </a:p>
+        </p:txBody>
+      </p:sp>
+      <p:sp>
+        <p:nvSpPr>
+          <p:cNvPr id="14" name="TextBox 13">
+            <a:extLst>
+              <a:ext uri="{FF2B5EF4-FFF2-40B4-BE49-F238E27FC236}">
+                <a16:creationId xmlns:a16="http://schemas.microsoft.com/office/drawing/2014/main" id="{459F26EE-DA74-3242-8AA0-C8804B3F4AC9}"/>
+              </a:ext>
+            </a:extLst>
+          </p:cNvPr>
+          <p:cNvSpPr txBox="1"/>
+          <p:nvPr userDrawn="1"/>
+        </p:nvSpPr>
+        <p:spPr>
+          <a:xfrm>
+            <a:off x="5867412" y="6447904"/>
+            <a:ext cx="457176" cy="369332"/>
+          </a:xfrm>
+          <a:prstGeom prst="rect">
+            <a:avLst/>
+          </a:prstGeom>
+          <a:noFill/>
+        </p:spPr>
+        <p:txBody>
+          <a:bodyPr wrap="none" rtlCol="0" anchor="ctr">
+            <a:spAutoFit/>
+          </a:bodyPr>
+          <a:lstStyle/>
+          <a:p>
+            <a:pPr algn="ctr"/>
+            <a:fld id="{0153C3B2-0654-1049-821D-A9450C27E9C9}" type="slidenum">
+              <a:rPr lang="en-US" sz="1800" smtClean="0">
+                <a:solidFill>
+                  <a:schemeClr val="bg1"/>
+                </a:solidFill>
+              </a:rPr>
+              <a:pPr algn="ctr"/>
+              <a:t>‹#›</a:t>
+            </a:fld>
+            <a:endParaRPr lang="en-US" sz="1800" dirty="0">
+              <a:solidFill>
+                <a:schemeClr val="bg1"/>
+              </a:solidFill>
             </a:endParaRPr>
           </a:p>
         </p:txBody>
@@ -4232,14 +4284,14 @@
             </a:ln>
             <a:extLst>
               <a:ext uri="{909E8E84-426E-40dd-AFC4-6F175D3DCCD1}">
-                <a14:hiddenFill xmlns:a14="http://schemas.microsoft.com/office/drawing/2010/main" xmlns="">
+                <a14:hiddenFill xmlns="" xmlns:a14="http://schemas.microsoft.com/office/drawing/2010/main">
                   <a:solidFill>
                     <a:srgbClr val="FFFFFF"/>
                   </a:solidFill>
                 </a14:hiddenFill>
               </a:ext>
               <a:ext uri="{91240B29-F687-4f45-9708-019B960494DF}">
-                <a14:hiddenLine xmlns:a14="http://schemas.microsoft.com/office/drawing/2010/main" xmlns="" w="9525">
+                <a14:hiddenLine xmlns="" xmlns:a14="http://schemas.microsoft.com/office/drawing/2010/main" w="9525">
                   <a:solidFill>
                     <a:srgbClr val="000000"/>
                   </a:solidFill>
@@ -4383,14 +4435,14 @@
             </a:ln>
             <a:extLst>
               <a:ext uri="{909E8E84-426E-40dd-AFC4-6F175D3DCCD1}">
-                <a14:hiddenFill xmlns:a14="http://schemas.microsoft.com/office/drawing/2010/main" xmlns="">
+                <a14:hiddenFill xmlns="" xmlns:a14="http://schemas.microsoft.com/office/drawing/2010/main">
                   <a:solidFill>
                     <a:srgbClr val="FFFFFF"/>
                   </a:solidFill>
                 </a14:hiddenFill>
               </a:ext>
               <a:ext uri="{91240B29-F687-4f45-9708-019B960494DF}">
-                <a14:hiddenLine xmlns:a14="http://schemas.microsoft.com/office/drawing/2010/main" xmlns="" w="9525">
+                <a14:hiddenLine xmlns="" xmlns:a14="http://schemas.microsoft.com/office/drawing/2010/main" w="9525">
                   <a:solidFill>
                     <a:srgbClr val="000000"/>
                   </a:solidFill>

--- a/assets/lectures/cshl/2019/mini/RNASeq_MiniLecture_04_01_AlignmentFreeKallisto.pptx
+++ b/assets/lectures/cshl/2019/mini/RNASeq_MiniLecture_04_01_AlignmentFreeKallisto.pptx
@@ -897,14 +897,14 @@
           </a:ln>
           <a:extLst>
             <a:ext uri="{909E8E84-426E-40dd-AFC4-6F175D3DCCD1}">
-              <a14:hiddenFill xmlns:a14="http://schemas.microsoft.com/office/drawing/2010/main" xmlns="">
+              <a14:hiddenFill xmlns="" xmlns:a14="http://schemas.microsoft.com/office/drawing/2010/main">
                 <a:solidFill>
                   <a:srgbClr val="FFFFFF"/>
                 </a:solidFill>
               </a14:hiddenFill>
             </a:ext>
             <a:ext uri="{91240B29-F687-4f45-9708-019B960494DF}">
-              <a14:hiddenLine xmlns:a14="http://schemas.microsoft.com/office/drawing/2010/main" xmlns="" w="9525">
+              <a14:hiddenLine xmlns="" xmlns:a14="http://schemas.microsoft.com/office/drawing/2010/main" w="9525">
                 <a:solidFill>
                   <a:srgbClr val="000000"/>
                 </a:solidFill>
@@ -1399,14 +1399,14 @@
           </a:ln>
           <a:extLst>
             <a:ext uri="{909E8E84-426E-40dd-AFC4-6F175D3DCCD1}">
-              <a14:hiddenFill xmlns:a14="http://schemas.microsoft.com/office/drawing/2010/main" xmlns="">
+              <a14:hiddenFill xmlns="" xmlns:a14="http://schemas.microsoft.com/office/drawing/2010/main">
                 <a:solidFill>
                   <a:srgbClr val="FFFFFF"/>
                 </a:solidFill>
               </a14:hiddenFill>
             </a:ext>
             <a:ext uri="{91240B29-F687-4f45-9708-019B960494DF}">
-              <a14:hiddenLine xmlns:a14="http://schemas.microsoft.com/office/drawing/2010/main" xmlns="" w="9525">
+              <a14:hiddenLine xmlns="" xmlns:a14="http://schemas.microsoft.com/office/drawing/2010/main" w="9525">
                 <a:solidFill>
                   <a:srgbClr val="000000"/>
                 </a:solidFill>
@@ -3124,14 +3124,14 @@
           </a:ln>
           <a:extLst>
             <a:ext uri="{909E8E84-426E-40dd-AFC4-6F175D3DCCD1}">
-              <a14:hiddenFill xmlns:a14="http://schemas.microsoft.com/office/drawing/2010/main" xmlns="">
+              <a14:hiddenFill xmlns="" xmlns:a14="http://schemas.microsoft.com/office/drawing/2010/main">
                 <a:solidFill>
                   <a:srgbClr val="FFFFFF"/>
                 </a:solidFill>
               </a14:hiddenFill>
             </a:ext>
             <a:ext uri="{91240B29-F687-4f45-9708-019B960494DF}">
-              <a14:hiddenLine xmlns:a14="http://schemas.microsoft.com/office/drawing/2010/main" xmlns="" w="9525">
+              <a14:hiddenLine xmlns="" xmlns:a14="http://schemas.microsoft.com/office/drawing/2010/main" w="9525">
                 <a:solidFill>
                   <a:srgbClr val="000000"/>
                 </a:solidFill>
@@ -4284,14 +4284,14 @@
             </a:ln>
             <a:extLst>
               <a:ext uri="{909E8E84-426E-40dd-AFC4-6F175D3DCCD1}">
-                <a14:hiddenFill xmlns="" xmlns:a14="http://schemas.microsoft.com/office/drawing/2010/main">
+                <a14:hiddenFill xmlns:a14="http://schemas.microsoft.com/office/drawing/2010/main" xmlns="">
                   <a:solidFill>
                     <a:srgbClr val="FFFFFF"/>
                   </a:solidFill>
                 </a14:hiddenFill>
               </a:ext>
               <a:ext uri="{91240B29-F687-4f45-9708-019B960494DF}">
-                <a14:hiddenLine xmlns="" xmlns:a14="http://schemas.microsoft.com/office/drawing/2010/main" w="9525">
+                <a14:hiddenLine xmlns:a14="http://schemas.microsoft.com/office/drawing/2010/main" xmlns="" w="9525">
                   <a:solidFill>
                     <a:srgbClr val="000000"/>
                   </a:solidFill>
@@ -4435,14 +4435,14 @@
             </a:ln>
             <a:extLst>
               <a:ext uri="{909E8E84-426E-40dd-AFC4-6F175D3DCCD1}">
-                <a14:hiddenFill xmlns="" xmlns:a14="http://schemas.microsoft.com/office/drawing/2010/main">
+                <a14:hiddenFill xmlns:a14="http://schemas.microsoft.com/office/drawing/2010/main" xmlns="">
                   <a:solidFill>
                     <a:srgbClr val="FFFFFF"/>
                   </a:solidFill>
                 </a14:hiddenFill>
               </a:ext>
               <a:ext uri="{91240B29-F687-4f45-9708-019B960494DF}">
-                <a14:hiddenLine xmlns="" xmlns:a14="http://schemas.microsoft.com/office/drawing/2010/main" w="9525">
+                <a14:hiddenLine xmlns:a14="http://schemas.microsoft.com/office/drawing/2010/main" xmlns="" w="9525">
                   <a:solidFill>
                     <a:srgbClr val="000000"/>
                   </a:solidFill>
